--- a/Dox/Final-Test Presentation .pptx
+++ b/Dox/Final-Test Presentation .pptx
@@ -3189,7 +3189,7 @@
         </p:nvSpPr>
         <p:spPr>
           <a:xfrm>
-            <a:off x="12841917" y="-1585494"/>
+            <a:off x="12978566" y="-1282506"/>
             <a:ext cx="4995232" cy="5684240"/>
           </a:xfrm>
           <a:prstGeom prst="rect">
@@ -3208,7 +3208,7 @@
               </a:lnSpc>
             </a:pPr>
             <a:r>
-              <a:rPr lang="en-US" sz="35086">
+              <a:rPr lang="en-US" sz="35086" dirty="0">
                 <a:solidFill>
                   <a:srgbClr val="323131"/>
                 </a:solidFill>
@@ -3271,15 +3271,15 @@
         </p:nvSpPr>
         <p:spPr>
           <a:xfrm>
-            <a:off x="13197549" y="6481052"/>
-            <a:ext cx="4995232" cy="5684240"/>
+            <a:off x="13213047" y="6666789"/>
+            <a:ext cx="4029198" cy="5285678"/>
           </a:xfrm>
           <a:prstGeom prst="rect">
             <a:avLst/>
           </a:prstGeom>
         </p:spPr>
         <p:txBody>
-          <a:bodyPr lIns="0" tIns="0" rIns="0" bIns="0" rtlCol="0" anchor="t">
+          <a:bodyPr wrap="square" lIns="0" tIns="0" rIns="0" bIns="0" rtlCol="0" anchor="t">
             <a:spAutoFit/>
           </a:bodyPr>
           <a:lstStyle/>
@@ -3290,7 +3290,7 @@
               </a:lnSpc>
             </a:pPr>
             <a:r>
-              <a:rPr lang="en-US" sz="35086">
+              <a:rPr lang="en-US" sz="35086" dirty="0">
                 <a:solidFill>
                   <a:srgbClr val="323131"/>
                 </a:solidFill>
@@ -3965,7 +3965,7 @@
         <p:spPr>
           <a:xfrm>
             <a:off x="3841929" y="3833788"/>
-            <a:ext cx="9923416" cy="5037678"/>
+            <a:ext cx="9923416" cy="5110694"/>
           </a:xfrm>
           <a:prstGeom prst="rect">
             <a:avLst/>
@@ -3983,7 +3983,7 @@
               </a:lnSpc>
             </a:pPr>
             <a:r>
-              <a:rPr lang="en-US" sz="3082">
+              <a:rPr lang="en-US" sz="3082" dirty="0">
                 <a:solidFill>
                   <a:srgbClr val="FFFFFF"/>
                 </a:solidFill>
@@ -4001,7 +4001,7 @@
                 <a:spcPts val="4007"/>
               </a:lnSpc>
             </a:pPr>
-            <a:endParaRPr lang="en-US" sz="3082">
+            <a:endParaRPr lang="en-US" sz="3082" dirty="0">
               <a:solidFill>
                 <a:srgbClr val="FFFFFF"/>
               </a:solidFill>
@@ -4018,7 +4018,7 @@
               </a:lnSpc>
             </a:pPr>
             <a:r>
-              <a:rPr lang="en-US" sz="3082">
+              <a:rPr lang="en-US" sz="3082" dirty="0">
                 <a:solidFill>
                   <a:srgbClr val="FFFFFF"/>
                 </a:solidFill>
@@ -4036,7 +4036,7 @@
                 <a:spcPts val="4007"/>
               </a:lnSpc>
             </a:pPr>
-            <a:endParaRPr lang="en-US" sz="3082">
+            <a:endParaRPr lang="en-US" sz="3082" dirty="0">
               <a:solidFill>
                 <a:srgbClr val="FFFFFF"/>
               </a:solidFill>
@@ -4053,7 +4053,7 @@
               </a:lnSpc>
             </a:pPr>
             <a:r>
-              <a:rPr lang="en-US" sz="3082">
+              <a:rPr lang="en-US" sz="3082" dirty="0">
                 <a:solidFill>
                   <a:srgbClr val="FFFFFF"/>
                 </a:solidFill>
@@ -4062,7 +4062,7 @@
                 <a:cs typeface="Red Hat Display"/>
                 <a:sym typeface="Red Hat Display"/>
               </a:rPr>
-              <a:t>•Tested on multiple browsers (Chrome, Edge).</a:t>
+              <a:t>•Tested on multiple browsers (Chrome, Firefox).</a:t>
             </a:r>
           </a:p>
           <a:p>
@@ -4071,7 +4071,7 @@
                 <a:spcPts val="4007"/>
               </a:lnSpc>
             </a:pPr>
-            <a:endParaRPr lang="en-US" sz="3082">
+            <a:endParaRPr lang="en-US" sz="3082" dirty="0">
               <a:solidFill>
                 <a:srgbClr val="FFFFFF"/>
               </a:solidFill>
@@ -4088,7 +4088,7 @@
               </a:lnSpc>
             </a:pPr>
             <a:r>
-              <a:rPr lang="en-US" sz="3082">
+              <a:rPr lang="en-US" sz="3082" dirty="0">
                 <a:solidFill>
                   <a:srgbClr val="FFFFFF"/>
                 </a:solidFill>
@@ -4106,7 +4106,7 @@
                 <a:spcPts val="4007"/>
               </a:lnSpc>
             </a:pPr>
-            <a:endParaRPr lang="en-US" sz="3082">
+            <a:endParaRPr lang="en-US" sz="3082" dirty="0">
               <a:solidFill>
                 <a:srgbClr val="FFFFFF"/>
               </a:solidFill>
@@ -4647,7 +4647,55 @@
                 <a:cs typeface="Red Hat Display"/>
                 <a:sym typeface="Red Hat Display"/>
               </a:rPr>
-              <a:t>•Manual Test Cases: 43 planned, 43 executed.</a:t>
+              <a:t>•Manual Test Cases</a:t>
+            </a:r>
+            <a:r>
+              <a:rPr lang="en-US" sz="3082">
+                <a:solidFill>
+                  <a:srgbClr val="FFFFFF"/>
+                </a:solidFill>
+                <a:latin typeface="Red Hat Display"/>
+                <a:ea typeface="Red Hat Display"/>
+                <a:cs typeface="Red Hat Display"/>
+                <a:sym typeface="Red Hat Display"/>
+              </a:rPr>
+              <a:t>: 58 </a:t>
+            </a:r>
+            <a:r>
+              <a:rPr lang="en-US" sz="3082" dirty="0">
+                <a:solidFill>
+                  <a:srgbClr val="FFFFFF"/>
+                </a:solidFill>
+                <a:latin typeface="Red Hat Display"/>
+                <a:ea typeface="Red Hat Display"/>
+                <a:cs typeface="Red Hat Display"/>
+                <a:sym typeface="Red Hat Display"/>
+              </a:rPr>
+              <a:t>planned</a:t>
+            </a:r>
+            <a:r>
+              <a:rPr lang="en-US" sz="3082">
+                <a:solidFill>
+                  <a:srgbClr val="FFFFFF"/>
+                </a:solidFill>
+                <a:latin typeface="Red Hat Display"/>
+                <a:ea typeface="Red Hat Display"/>
+                <a:cs typeface="Red Hat Display"/>
+                <a:sym typeface="Red Hat Display"/>
+              </a:rPr>
+              <a:t>, 58 </a:t>
+            </a:r>
+            <a:r>
+              <a:rPr lang="en-US" sz="3082" dirty="0">
+                <a:solidFill>
+                  <a:srgbClr val="FFFFFF"/>
+                </a:solidFill>
+                <a:latin typeface="Red Hat Display"/>
+                <a:ea typeface="Red Hat Display"/>
+                <a:cs typeface="Red Hat Display"/>
+                <a:sym typeface="Red Hat Display"/>
+              </a:rPr>
+              <a:t>executed.</a:t>
             </a:r>
           </a:p>
           <a:p>
@@ -4983,7 +5031,7 @@
         <p:spPr>
           <a:xfrm>
             <a:off x="3780636" y="3248592"/>
-            <a:ext cx="10158750" cy="5583553"/>
+            <a:ext cx="10158750" cy="4597734"/>
           </a:xfrm>
           <a:prstGeom prst="rect">
             <a:avLst/>
@@ -5001,7 +5049,7 @@
               </a:lnSpc>
             </a:pPr>
             <a:r>
-              <a:rPr lang="en-US" sz="3082">
+              <a:rPr lang="en-US" sz="3082" dirty="0">
                 <a:solidFill>
                   <a:srgbClr val="FFFFFF"/>
                 </a:solidFill>
@@ -5010,7 +5058,7 @@
                 <a:cs typeface="Red Hat Display"/>
                 <a:sym typeface="Red Hat Display"/>
               </a:rPr>
-              <a:t>•Dynamic waits needed due to element load times.</a:t>
+              <a:t>•Dynamic waits needed due to element load times (waiting for items to be visible/clickable).</a:t>
             </a:r>
           </a:p>
           <a:p>
@@ -5019,7 +5067,7 @@
                 <a:spcPts val="4007"/>
               </a:lnSpc>
             </a:pPr>
-            <a:endParaRPr lang="en-US" sz="3082">
+            <a:endParaRPr lang="en-US" sz="3082" dirty="0">
               <a:solidFill>
                 <a:srgbClr val="FFFFFF"/>
               </a:solidFill>
@@ -5036,7 +5084,7 @@
               </a:lnSpc>
             </a:pPr>
             <a:r>
-              <a:rPr lang="en-US" sz="3082">
+              <a:rPr lang="en-US" sz="3082" dirty="0">
                 <a:solidFill>
                   <a:srgbClr val="FFFFFF"/>
                 </a:solidFill>
@@ -5045,7 +5093,7 @@
                 <a:cs typeface="Red Hat Display"/>
                 <a:sym typeface="Red Hat Display"/>
               </a:rPr>
-              <a:t>•Handling pop-ups and dynamic tables was challenging in automation.</a:t>
+              <a:t>•Handling continuous language changing within the website</a:t>
             </a:r>
           </a:p>
           <a:p>
@@ -5054,7 +5102,7 @@
                 <a:spcPts val="4007"/>
               </a:lnSpc>
             </a:pPr>
-            <a:endParaRPr lang="en-US" sz="3082">
+            <a:endParaRPr lang="en-US" sz="3082" dirty="0">
               <a:solidFill>
                 <a:srgbClr val="FFFFFF"/>
               </a:solidFill>
@@ -5071,42 +5119,7 @@
               </a:lnSpc>
             </a:pPr>
             <a:r>
-              <a:rPr lang="en-US" sz="3082">
-                <a:solidFill>
-                  <a:srgbClr val="FFFFFF"/>
-                </a:solidFill>
-                <a:latin typeface="Red Hat Display"/>
-                <a:ea typeface="Red Hat Display"/>
-                <a:cs typeface="Red Hat Display"/>
-                <a:sym typeface="Red Hat Display"/>
-              </a:rPr>
-              <a:t>•Handling continuous language changing within the website</a:t>
-            </a:r>
-          </a:p>
-          <a:p>
-            <a:pPr algn="l">
-              <a:lnSpc>
-                <a:spcPts val="4007"/>
-              </a:lnSpc>
-            </a:pPr>
-            <a:endParaRPr lang="en-US" sz="3082">
-              <a:solidFill>
-                <a:srgbClr val="FFFFFF"/>
-              </a:solidFill>
-              <a:latin typeface="Red Hat Display"/>
-              <a:ea typeface="Red Hat Display"/>
-              <a:cs typeface="Red Hat Display"/>
-              <a:sym typeface="Red Hat Display"/>
-            </a:endParaRPr>
-          </a:p>
-          <a:p>
-            <a:pPr algn="l">
-              <a:lnSpc>
-                <a:spcPts val="4007"/>
-              </a:lnSpc>
-            </a:pPr>
-            <a:r>
-              <a:rPr lang="en-US" sz="3082">
+              <a:rPr lang="en-US" sz="3082" dirty="0">
                 <a:solidFill>
                   <a:srgbClr val="FFFFFF"/>
                 </a:solidFill>
@@ -5124,7 +5137,7 @@
                 <a:spcPts val="4007"/>
               </a:lnSpc>
             </a:pPr>
-            <a:endParaRPr lang="en-US" sz="3082">
+            <a:endParaRPr lang="en-US" sz="3082" dirty="0">
               <a:solidFill>
                 <a:srgbClr val="FFFFFF"/>
               </a:solidFill>
